--- a/kma_EF.pptx
+++ b/kma_EF.pptx
@@ -208,7 +208,7 @@
           <a:p>
             <a:fld id="{3C76E129-AACD-478E-B398-DE4A9C95C8F7}" type="datetimeFigureOut">
               <a:rPr lang="lt-LT" smtClean="0"/>
-              <a:t>2018-04-01</a:t>
+              <a:t>2018-05-02</a:t>
             </a:fld>
             <a:endParaRPr lang="lt-LT"/>
           </a:p>
@@ -2135,7 +2135,7 @@
           <a:p>
             <a:fld id="{30579259-0C81-4A32-A708-F66BB5C8C95A}" type="datetimeFigureOut">
               <a:rPr lang="lt-LT" smtClean="0"/>
-              <a:t>2018-04-01</a:t>
+              <a:t>2018-05-02</a:t>
             </a:fld>
             <a:endParaRPr lang="lt-LT"/>
           </a:p>
@@ -2511,7 +2511,7 @@
             <a:fld id="{85EBC16C-C084-4A9D-A556-93F516CC0DED}" type="datetime1">
               <a:rPr lang="lt-LT" smtClean="0"/>
               <a:pPr/>
-              <a:t>2018-04-01</a:t>
+              <a:t>2018-05-02</a:t>
             </a:fld>
             <a:endParaRPr lang="lt-LT" dirty="0"/>
           </a:p>
@@ -2708,7 +2708,7 @@
             <a:fld id="{85EBC16C-C084-4A9D-A556-93F516CC0DED}" type="datetime1">
               <a:rPr lang="lt-LT" smtClean="0"/>
               <a:pPr/>
-              <a:t>2018-04-01</a:t>
+              <a:t>2018-05-02</a:t>
             </a:fld>
             <a:endParaRPr lang="lt-LT" dirty="0"/>
           </a:p>
@@ -3214,7 +3214,7 @@
             <a:fld id="{85EBC16C-C084-4A9D-A556-93F516CC0DED}" type="datetime1">
               <a:rPr lang="lt-LT" smtClean="0"/>
               <a:pPr/>
-              <a:t>2018-04-01</a:t>
+              <a:t>2018-05-02</a:t>
             </a:fld>
             <a:endParaRPr lang="lt-LT" dirty="0"/>
           </a:p>
@@ -3838,7 +3838,7 @@
             <a:fld id="{85EBC16C-C084-4A9D-A556-93F516CC0DED}" type="datetime1">
               <a:rPr lang="lt-LT" smtClean="0"/>
               <a:pPr/>
-              <a:t>2018-04-01</a:t>
+              <a:t>2018-05-02</a:t>
             </a:fld>
             <a:endParaRPr lang="lt-LT" dirty="0"/>
           </a:p>
@@ -4073,7 +4073,7 @@
             <a:fld id="{85EBC16C-C084-4A9D-A556-93F516CC0DED}" type="datetime1">
               <a:rPr lang="lt-LT" smtClean="0"/>
               <a:pPr/>
-              <a:t>2018-04-01</a:t>
+              <a:t>2018-05-02</a:t>
             </a:fld>
             <a:endParaRPr lang="lt-LT" dirty="0"/>
           </a:p>
@@ -4270,7 +4270,7 @@
             <a:fld id="{85EBC16C-C084-4A9D-A556-93F516CC0DED}" type="datetime1">
               <a:rPr lang="lt-LT" smtClean="0"/>
               <a:pPr/>
-              <a:t>2018-04-01</a:t>
+              <a:t>2018-05-02</a:t>
             </a:fld>
             <a:endParaRPr lang="lt-LT" dirty="0"/>
           </a:p>
@@ -6179,7 +6179,7 @@
             <a:fld id="{99E75C0A-F1A1-4D0F-83FF-E4C5074DED59}" type="datetime1">
               <a:rPr lang="lt-LT" smtClean="0"/>
               <a:pPr/>
-              <a:t>2018-04-01</a:t>
+              <a:t>2018-05-02</a:t>
             </a:fld>
             <a:endParaRPr lang="lt-LT" dirty="0"/>
           </a:p>
@@ -7065,11 +7065,7 @@
           <a:p>
             <a:r>
               <a:rPr lang="lt-LT" smtClean="0"/>
-              <a:t>2018 </a:t>
-            </a:r>
-            <a:r>
-              <a:rPr lang="lt-LT" smtClean="0"/>
-              <a:t>balandis</a:t>
+              <a:t>2018 balandis</a:t>
             </a:r>
             <a:endParaRPr lang="lt-LT" dirty="0"/>
           </a:p>
@@ -7568,21 +7564,29 @@
               <a:rPr lang="lt-LT" dirty="0">
                 <a:hlinkClick r:id="rId6"/>
               </a:rPr>
-              <a:t>https</a:t>
-            </a:r>
-            <a:r>
-              <a:rPr lang="lt-LT">
+              <a:t>https://</a:t>
+            </a:r>
+            <a:r>
+              <a:rPr lang="lt-LT" dirty="0" smtClean="0">
                 <a:hlinkClick r:id="rId6"/>
               </a:rPr>
-              <a:t>://</a:t>
-            </a:r>
-            <a:r>
-              <a:rPr lang="lt-LT" smtClean="0">
-                <a:hlinkClick r:id="rId6"/>
-              </a:rPr>
               <a:t>docs.microsoft.com/en-us/ef/core/saving/basic</a:t>
             </a:r>
-            <a:endParaRPr lang="lt-LT" smtClean="0"/>
+            <a:endParaRPr lang="lt-LT" dirty="0" smtClean="0"/>
+          </a:p>
+          <a:p>
+            <a:r>
+              <a:rPr lang="lt-LT" dirty="0" smtClean="0"/>
+              <a:t>Apie EF:</a:t>
+            </a:r>
+          </a:p>
+          <a:p>
+            <a:pPr lvl="1"/>
+            <a:r>
+              <a:rPr lang="lt-LT" dirty="0"/>
+              <a:t>http://www.entityframeworktutorial.net/efcore/configure-one-to-many-relationship-using-fluent-api-in-ef-core.aspx</a:t>
+            </a:r>
+            <a:endParaRPr lang="lt-LT" dirty="0" smtClean="0"/>
           </a:p>
           <a:p>
             <a:endParaRPr lang="lt-LT" dirty="0" smtClean="0"/>
@@ -7956,6 +7960,86 @@
                                           <p:spTgt spid="3">
                                             <p:txEl>
                                               <p:pRg st="8" end="8"/>
+                                            </p:txEl>
+                                          </p:spTgt>
+                                        </p:tgtEl>
+                                        <p:attrNameLst>
+                                          <p:attrName>style.visibility</p:attrName>
+                                        </p:attrNameLst>
+                                      </p:cBhvr>
+                                      <p:to>
+                                        <p:strVal val="visible"/>
+                                      </p:to>
+                                    </p:set>
+                                  </p:childTnLst>
+                                </p:cTn>
+                              </p:par>
+                            </p:childTnLst>
+                          </p:cTn>
+                        </p:par>
+                      </p:childTnLst>
+                    </p:cTn>
+                  </p:par>
+                  <p:par>
+                    <p:cTn id="31" fill="hold">
+                      <p:stCondLst>
+                        <p:cond delay="indefinite"/>
+                      </p:stCondLst>
+                      <p:childTnLst>
+                        <p:par>
+                          <p:cTn id="32" fill="hold">
+                            <p:stCondLst>
+                              <p:cond delay="0"/>
+                            </p:stCondLst>
+                            <p:childTnLst>
+                              <p:par>
+                                <p:cTn id="33" presetID="1" presetClass="entr" presetSubtype="0" fill="hold" grpId="0" nodeType="clickEffect">
+                                  <p:stCondLst>
+                                    <p:cond delay="0"/>
+                                  </p:stCondLst>
+                                  <p:childTnLst>
+                                    <p:set>
+                                      <p:cBhvr>
+                                        <p:cTn id="34" dur="1" fill="hold">
+                                          <p:stCondLst>
+                                            <p:cond delay="0"/>
+                                          </p:stCondLst>
+                                        </p:cTn>
+                                        <p:tgtEl>
+                                          <p:spTgt spid="3">
+                                            <p:txEl>
+                                              <p:pRg st="9" end="9"/>
+                                            </p:txEl>
+                                          </p:spTgt>
+                                        </p:tgtEl>
+                                        <p:attrNameLst>
+                                          <p:attrName>style.visibility</p:attrName>
+                                        </p:attrNameLst>
+                                      </p:cBhvr>
+                                      <p:to>
+                                        <p:strVal val="visible"/>
+                                      </p:to>
+                                    </p:set>
+                                  </p:childTnLst>
+                                </p:cTn>
+                              </p:par>
+                              <p:par>
+                                <p:cTn id="35" presetID="1" presetClass="entr" presetSubtype="0" fill="hold" grpId="0" nodeType="withEffect">
+                                  <p:stCondLst>
+                                    <p:cond delay="0"/>
+                                  </p:stCondLst>
+                                  <p:childTnLst>
+                                    <p:set>
+                                      <p:cBhvr>
+                                        <p:cTn id="36" dur="1" fill="hold">
+                                          <p:stCondLst>
+                                            <p:cond delay="0"/>
+                                          </p:stCondLst>
+                                        </p:cTn>
+                                        <p:tgtEl>
+                                          <p:spTgt spid="3">
+                                            <p:txEl>
+                                              <p:pRg st="10" end="10"/>
                                             </p:txEl>
                                           </p:spTgt>
                                         </p:tgtEl>
